--- a/Day5-Plotting/Ch05-PlottingAndVisualization.pptx
+++ b/Day5-Plotting/Ch05-PlottingAndVisualization.pptx
@@ -292,16 +292,13 @@
             </a:lvl1pPr>
           </a:lstStyle>
           <a:p>
-            <a:pPr>
-              <a:defRPr/>
-            </a:pPr>
             <a:r>
               <a:rPr lang="en-US" dirty="0">
-                <a:latin typeface="Tahoma" pitchFamily="34" charset="0"/>
-                <a:ea typeface="Tahoma" pitchFamily="34" charset="0"/>
-                <a:cs typeface="Tahoma" pitchFamily="34" charset="0"/>
-              </a:rPr>
-              <a:t>811M: Python for Data Scientists</a:t>
+                <a:latin typeface="Tahoma" panose="020B0604030504040204" pitchFamily="34" charset="0"/>
+                <a:ea typeface="Tahoma" panose="020B0604030504040204" pitchFamily="34" charset="0"/>
+                <a:cs typeface="Tahoma" panose="020B0604030504040204" pitchFamily="34" charset="0"/>
+              </a:rPr>
+              <a:t>Python Program</a:t>
             </a:r>
           </a:p>
         </p:txBody>
@@ -815,15 +812,17 @@
           <a:bodyPr lIns="92092" tIns="46046" rIns="92092" bIns="46046" anchor="b"/>
           <a:lstStyle/>
           <a:p>
-            <a:pPr defTabSz="920750"/>
-            <a:r>
-              <a:rPr lang="en-US" sz="1200" dirty="0">
-                <a:solidFill>
-                  <a:schemeClr val="tx1"/>
-                </a:solidFill>
-                <a:latin typeface="Tahoma" pitchFamily="34" charset="0"/>
-              </a:rPr>
-              <a:t>811M: Python for Data Scientists</a:t>
+            <a:pPr algn="l"/>
+            <a:r>
+              <a:rPr lang="en-US" sz="1200" b="0" cap="none" baseline="0" dirty="0">
+                <a:solidFill>
+                  <a:schemeClr val="tx1"/>
+                </a:solidFill>
+                <a:latin typeface="Tahoma" panose="020B0604030504040204" pitchFamily="34" charset="0"/>
+                <a:ea typeface="Tahoma" panose="020B0604030504040204" pitchFamily="34" charset="0"/>
+                <a:cs typeface="Tahoma" panose="020B0604030504040204" pitchFamily="34" charset="0"/>
+              </a:rPr>
+              <a:t>Python Program</a:t>
             </a:r>
           </a:p>
         </p:txBody>
@@ -2385,7 +2384,12 @@
             <p:ph type="sldImg"/>
           </p:nvPr>
         </p:nvSpPr>
-        <p:spPr/>
+        <p:spPr>
+          <a:xfrm>
+            <a:off x="1189038" y="701675"/>
+            <a:ext cx="4676775" cy="3508375"/>
+          </a:xfrm>
+        </p:spPr>
       </p:sp>
       <p:sp>
         <p:nvSpPr>
@@ -2402,7 +2406,7 @@
           <a:bodyPr/>
           <a:lstStyle/>
           <a:p>
-            <a:endParaRPr lang="en-US"/>
+            <a:endParaRPr lang="en-US" dirty="0"/>
           </a:p>
         </p:txBody>
       </p:sp>
@@ -2446,7 +2450,12 @@
             <p:ph type="sldImg"/>
           </p:nvPr>
         </p:nvSpPr>
-        <p:spPr/>
+        <p:spPr>
+          <a:xfrm>
+            <a:off x="1189038" y="701675"/>
+            <a:ext cx="4676775" cy="3508375"/>
+          </a:xfrm>
+        </p:spPr>
       </p:sp>
       <p:sp>
         <p:nvSpPr>
@@ -2463,7 +2472,7 @@
           <a:bodyPr/>
           <a:lstStyle/>
           <a:p>
-            <a:endParaRPr lang="en-US"/>
+            <a:endParaRPr lang="en-US" dirty="0"/>
           </a:p>
         </p:txBody>
       </p:sp>
@@ -2529,7 +2538,7 @@
           <a:bodyPr/>
           <a:lstStyle/>
           <a:p>
-            <a:endParaRPr lang="en-US"/>
+            <a:endParaRPr lang="en-US" dirty="0"/>
           </a:p>
         </p:txBody>
       </p:sp>
@@ -2573,7 +2582,12 @@
             <p:ph type="sldImg"/>
           </p:nvPr>
         </p:nvSpPr>
-        <p:spPr/>
+        <p:spPr>
+          <a:xfrm>
+            <a:off x="1189038" y="701675"/>
+            <a:ext cx="4676775" cy="3508375"/>
+          </a:xfrm>
+        </p:spPr>
       </p:sp>
       <p:sp>
         <p:nvSpPr>
@@ -2590,7 +2604,7 @@
           <a:bodyPr/>
           <a:lstStyle/>
           <a:p>
-            <a:endParaRPr lang="en-US"/>
+            <a:endParaRPr lang="en-US" dirty="0"/>
           </a:p>
         </p:txBody>
       </p:sp>
@@ -2700,7 +2714,12 @@
             <p:ph type="sldImg"/>
           </p:nvPr>
         </p:nvSpPr>
-        <p:spPr/>
+        <p:spPr>
+          <a:xfrm>
+            <a:off x="1189038" y="701675"/>
+            <a:ext cx="4676775" cy="3508375"/>
+          </a:xfrm>
+        </p:spPr>
       </p:sp>
       <p:sp>
         <p:nvSpPr>
@@ -2717,7 +2736,7 @@
           <a:bodyPr/>
           <a:lstStyle/>
           <a:p>
-            <a:endParaRPr lang="en-US"/>
+            <a:endParaRPr lang="en-US" dirty="0"/>
           </a:p>
         </p:txBody>
       </p:sp>
@@ -6898,7 +6917,7 @@
                 </a:solidFill>
                 <a:latin typeface="Tahoma" charset="0"/>
               </a:rPr>
-              <a:t>© 2019</a:t>
+              <a:t>© 2020</a:t>
             </a:r>
             <a:r>
               <a:rPr lang="en-US" sz="700" b="0" baseline="0" dirty="0">
@@ -7000,7 +7019,7 @@
                 <a:ea typeface="Tahoma" panose="020B0604030504040204" pitchFamily="34" charset="0"/>
                 <a:cs typeface="Tahoma" panose="020B0604030504040204" pitchFamily="34" charset="0"/>
               </a:rPr>
-              <a:t>811M: Python for Data Scientists</a:t>
+              <a:t>Python Program</a:t>
             </a:r>
           </a:p>
         </p:txBody>
@@ -7784,7 +7803,7 @@
           <a:p>
             <a:r>
               <a:rPr lang="en-US" dirty="0"/>
-              <a:t>Python for Data Scientists</a:t>
+              <a:t>Python Program</a:t>
             </a:r>
           </a:p>
         </p:txBody>
@@ -8899,7 +8918,7 @@
         </p:blipFill>
         <p:spPr>
           <a:xfrm>
-            <a:off x="1258872" y="1268031"/>
+            <a:off x="1258872" y="1138822"/>
             <a:ext cx="6626256" cy="5040000"/>
           </a:xfrm>
           <a:prstGeom prst="rect">
@@ -12366,7 +12385,7 @@
             <a:pPr lvl="2"/>
             <a:r>
               <a:rPr lang="en-GB" dirty="0"/>
-              <a:t>Even those created without seaborn</a:t>
+              <a:t>Even those created without Seaborn</a:t>
             </a:r>
           </a:p>
           <a:p>
@@ -12399,7 +12418,7 @@
           <a:p>
             <a:r>
               <a:rPr lang="en-GB" dirty="0"/>
-              <a:t>Many seaborn methods accept additional parameters</a:t>
+              <a:t>Many Seaborn methods accept additional parameters</a:t>
             </a:r>
           </a:p>
           <a:p>
@@ -15635,8 +15654,8 @@
         </p:nvSpPr>
         <p:spPr bwMode="auto">
           <a:xfrm>
-            <a:off x="1103801" y="2310717"/>
-            <a:ext cx="6896710" cy="4031873"/>
+            <a:off x="1103801" y="2400168"/>
+            <a:ext cx="6896710" cy="3847207"/>
           </a:xfrm>
           <a:prstGeom prst="rect">
             <a:avLst/>
@@ -15803,7 +15822,7 @@
             </a:r>
           </a:p>
           <a:p>
-            <a:endParaRPr lang="en-US" sz="1600" dirty="0">
+            <a:endParaRPr lang="en-US" sz="1100" dirty="0">
               <a:solidFill>
                 <a:schemeClr val="tx1"/>
               </a:solidFill>
@@ -15824,7 +15843,7 @@
             </a:r>
           </a:p>
           <a:p>
-            <a:endParaRPr lang="en-US" sz="1600" dirty="0">
+            <a:endParaRPr lang="en-US" sz="1100" dirty="0">
               <a:solidFill>
                 <a:schemeClr val="tx1"/>
               </a:solidFill>
@@ -15901,7 +15920,7 @@
             </a:r>
           </a:p>
           <a:p>
-            <a:endParaRPr lang="mr-IN" sz="1600" dirty="0">
+            <a:endParaRPr lang="mr-IN" sz="1100" dirty="0">
               <a:solidFill>
                 <a:schemeClr val="tx1"/>
               </a:solidFill>
@@ -16165,7 +16184,7 @@
         </p:nvSpPr>
         <p:spPr bwMode="auto">
           <a:xfrm>
-            <a:off x="6173435" y="2618763"/>
+            <a:off x="6173435" y="2708214"/>
             <a:ext cx="1499292" cy="584776"/>
           </a:xfrm>
           <a:prstGeom prst="wedgeRectCallout">
@@ -16227,7 +16246,7 @@
         </p:nvSpPr>
         <p:spPr bwMode="auto">
           <a:xfrm>
-            <a:off x="6173434" y="4034265"/>
+            <a:off x="6173434" y="4123716"/>
             <a:ext cx="1499292" cy="584776"/>
           </a:xfrm>
           <a:prstGeom prst="wedgeRectCallout">
@@ -16534,7 +16553,7 @@
         </p:nvSpPr>
         <p:spPr bwMode="auto">
           <a:xfrm>
-            <a:off x="1144249" y="2191417"/>
+            <a:off x="1144249" y="2251051"/>
             <a:ext cx="6855502" cy="2800767"/>
           </a:xfrm>
           <a:prstGeom prst="rect">
@@ -16819,7 +16838,7 @@
         </p:nvSpPr>
         <p:spPr bwMode="auto">
           <a:xfrm>
-            <a:off x="1144249" y="5522125"/>
+            <a:off x="1144249" y="5551942"/>
             <a:ext cx="6855502" cy="584775"/>
           </a:xfrm>
           <a:prstGeom prst="rect">
@@ -19222,9 +19241,15 @@
 <ds:datastoreItem xmlns:ds="http://schemas.openxmlformats.org/officeDocument/2006/customXml" ds:itemID="{F47B9207-CE5C-49AD-B414-15CBFA246D65}">
   <ds:schemaRefs>
     <ds:schemaRef ds:uri="http://schemas.microsoft.com/office/2006/metadata/properties"/>
+    <ds:schemaRef ds:uri="http://purl.org/dc/elements/1.1/"/>
+    <ds:schemaRef ds:uri="037063e9-a85e-4c78-8627-f1a9315663e5"/>
+    <ds:schemaRef ds:uri="http://purl.org/dc/terms/"/>
+    <ds:schemaRef ds:uri="http://www.w3.org/XML/1998/namespace"/>
     <ds:schemaRef ds:uri="http://schemas.microsoft.com/office/infopath/2007/PartnerControls"/>
-    <ds:schemaRef ds:uri="037063e9-a85e-4c78-8627-f1a9315663e5"/>
+    <ds:schemaRef ds:uri="http://schemas.microsoft.com/office/2006/documentManagement/types"/>
+    <ds:schemaRef ds:uri="http://schemas.openxmlformats.org/package/2006/metadata/core-properties"/>
     <ds:schemaRef ds:uri="027ed24f-5970-4294-be5c-0919c5aaa214"/>
+    <ds:schemaRef ds:uri="http://purl.org/dc/dcmitype/"/>
   </ds:schemaRefs>
 </ds:datastoreItem>
 </file>
